--- a/AngularJS/lesson_13/Presentation/Filters_DOM.pptx
+++ b/AngularJS/lesson_13/Presentation/Filters_DOM.pptx
@@ -213,7 +213,7 @@
           <a:p>
             <a:fld id="{128D623C-FE5B-4445-9EC9-DBBBF803B4B6}" type="datetimeFigureOut">
               <a:rPr lang="uk-UA" smtClean="0"/>
-              <a:t>10.08.2016</a:t>
+              <a:t>17.08.2016</a:t>
             </a:fld>
             <a:endParaRPr lang="uk-UA"/>
           </a:p>
@@ -3117,85 +3117,6 @@
             </a:r>
           </a:p>
           <a:p>
-            <a:r>
-              <a:rPr lang="ru-RU" sz="1800" b="1" dirty="0" err="1">
-                <a:latin typeface="Calibri" pitchFamily="34" charset="0"/>
-              </a:rPr>
-              <a:t>ng-repeat</a:t>
-            </a:r>
-            <a:r>
-              <a:rPr lang="ru-RU" sz="1800" b="1" dirty="0">
-                <a:latin typeface="Calibri" pitchFamily="34" charset="0"/>
-              </a:rPr>
-              <a:t> </a:t>
-            </a:r>
-            <a:r>
-              <a:rPr lang="ru-RU" sz="1800" dirty="0">
-                <a:latin typeface="Calibri" pitchFamily="34" charset="0"/>
-              </a:rPr>
-              <a:t>–</a:t>
-            </a:r>
-            <a:r>
-              <a:rPr lang="ru-RU" sz="1800" b="1" dirty="0">
-                <a:latin typeface="Calibri" pitchFamily="34" charset="0"/>
-              </a:rPr>
-              <a:t> </a:t>
-            </a:r>
-            <a:r>
-              <a:rPr lang="ru-RU" sz="1800" dirty="0">
-                <a:latin typeface="Calibri" pitchFamily="34" charset="0"/>
-              </a:rPr>
-              <a:t>директива осуществляет обход каждого элемента коллекции;</a:t>
-            </a:r>
-            <a:endParaRPr lang="ru-RU" sz="1800" b="1" dirty="0">
-              <a:latin typeface="Calibri" pitchFamily="34" charset="0"/>
-            </a:endParaRPr>
-          </a:p>
-          <a:p>
-            <a:r>
-              <a:rPr lang="ru-RU" sz="1800" b="1" dirty="0" err="1">
-                <a:latin typeface="Calibri" pitchFamily="34" charset="0"/>
-              </a:rPr>
-              <a:t>ng-class-even</a:t>
-            </a:r>
-            <a:r>
-              <a:rPr lang="ru-RU" sz="1800" b="1" dirty="0">
-                <a:latin typeface="Calibri" pitchFamily="34" charset="0"/>
-              </a:rPr>
-              <a:t>, </a:t>
-            </a:r>
-            <a:r>
-              <a:rPr lang="ru-RU" sz="1800" b="1" dirty="0" err="1">
-                <a:latin typeface="Calibri" pitchFamily="34" charset="0"/>
-              </a:rPr>
-              <a:t>ng-class-odd</a:t>
-            </a:r>
-            <a:r>
-              <a:rPr lang="ru-RU" sz="1800" b="1" dirty="0">
-                <a:latin typeface="Calibri" pitchFamily="34" charset="0"/>
-              </a:rPr>
-              <a:t> </a:t>
-            </a:r>
-            <a:r>
-              <a:rPr lang="ru-RU" sz="1800" dirty="0">
-                <a:latin typeface="Calibri" pitchFamily="34" charset="0"/>
-              </a:rPr>
-              <a:t>– работают совместно с </a:t>
-            </a:r>
-            <a:r>
-              <a:rPr lang="ru-RU" sz="1800" dirty="0" err="1">
-                <a:latin typeface="Calibri" pitchFamily="34" charset="0"/>
-              </a:rPr>
-              <a:t>ng-repeat</a:t>
-            </a:r>
-            <a:r>
-              <a:rPr lang="ru-RU" sz="1800" dirty="0">
-                <a:latin typeface="Calibri" pitchFamily="34" charset="0"/>
-              </a:rPr>
-              <a:t> и позволяют устанавливать классы для четных и нечетных элементов коллекции. </a:t>
-            </a:r>
-          </a:p>
-          <a:p>
             <a:pPr>
               <a:buNone/>
             </a:pPr>
@@ -3317,7 +3238,19 @@
               <a:rPr lang="ru-RU" sz="1800" dirty="0">
                 <a:latin typeface="Calibri" pitchFamily="34" charset="0"/>
               </a:rPr>
-              <a:t>что пользователь еще ничего не вводил в поля формы (</a:t>
+              <a:t>что пользователь еще ничего не вводил</a:t>
+            </a:r>
+            <a:r>
+              <a:rPr lang="en-US" sz="1800" dirty="0">
+                <a:latin typeface="Calibri" pitchFamily="34" charset="0"/>
+              </a:rPr>
+              <a:t> </a:t>
+            </a:r>
+            <a:r>
+              <a:rPr lang="ru-RU" sz="1800" dirty="0">
+                <a:latin typeface="Calibri" pitchFamily="34" charset="0"/>
+              </a:rPr>
+              <a:t>данные в поля формы (</a:t>
             </a:r>
             <a:r>
               <a:rPr lang="ru-RU" sz="1800" dirty="0" err="1">
